--- a/Event Sourcing (EDA).pptx
+++ b/Event Sourcing (EDA).pptx
@@ -5,7 +5,7 @@
     <p:sldMasterId id="2147483648" r:id="rId1"/>
   </p:sldMasterIdLst>
   <p:notesMasterIdLst>
-    <p:notesMasterId r:id="rId31"/>
+    <p:notesMasterId r:id="rId35"/>
   </p:notesMasterIdLst>
   <p:sldIdLst>
     <p:sldId id="256" r:id="rId2"/>
@@ -34,9 +34,13 @@
     <p:sldId id="268" r:id="rId25"/>
     <p:sldId id="269" r:id="rId26"/>
     <p:sldId id="270" r:id="rId27"/>
-    <p:sldId id="275" r:id="rId28"/>
-    <p:sldId id="277" r:id="rId29"/>
-    <p:sldId id="276" r:id="rId30"/>
+    <p:sldId id="288" r:id="rId28"/>
+    <p:sldId id="286" r:id="rId29"/>
+    <p:sldId id="287" r:id="rId30"/>
+    <p:sldId id="285" r:id="rId31"/>
+    <p:sldId id="275" r:id="rId32"/>
+    <p:sldId id="277" r:id="rId33"/>
+    <p:sldId id="276" r:id="rId34"/>
   </p:sldIdLst>
   <p:sldSz cx="12192000" cy="6858000"/>
   <p:notesSz cx="6858000" cy="9144000"/>
@@ -168,6 +172,14 @@
             <p14:sldId id="270"/>
           </p14:sldIdLst>
         </p14:section>
+        <p14:section name="Visualisation" id="{D5754178-2F75-4FD8-8A13-E32D36FA348C}">
+          <p14:sldIdLst>
+            <p14:sldId id="288"/>
+            <p14:sldId id="286"/>
+            <p14:sldId id="287"/>
+            <p14:sldId id="285"/>
+          </p14:sldIdLst>
+        </p14:section>
         <p14:section name="Other Reference Material" id="{C4D2A660-9348-48A5-9755-443EF36D7153}">
           <p14:sldIdLst>
             <p14:sldId id="275"/>
@@ -266,7 +278,7 @@
           <a:p>
             <a:fld id="{51D1989D-E4D0-493A-B30A-6F9BBE21BAF1}" type="datetimeFigureOut">
               <a:rPr lang="en-AU" smtClean="0"/>
-              <a:t>31/12/2024</a:t>
+              <a:t>4/01/2025</a:t>
             </a:fld>
             <a:endParaRPr lang="en-AU"/>
           </a:p>
@@ -3378,6 +3390,179 @@
           <a:bodyPr/>
           <a:lstStyle/>
           <a:p>
+            <a:pPr algn="l"/>
+            <a:r>
+              <a:rPr lang="en-US" b="0" i="0" dirty="0" err="1">
+                <a:solidFill>
+                  <a:srgbClr val="FFFFFF"/>
+                </a:solidFill>
+                <a:effectLst/>
+                <a:latin typeface="Inter"/>
+              </a:rPr>
+              <a:t>EventCatalog</a:t>
+            </a:r>
+            <a:r>
+              <a:rPr lang="en-US" b="0" i="0" dirty="0">
+                <a:solidFill>
+                  <a:srgbClr val="FFFFFF"/>
+                </a:solidFill>
+                <a:effectLst/>
+                <a:latin typeface="Inter"/>
+              </a:rPr>
+              <a:t> uses </a:t>
+            </a:r>
+            <a:r>
+              <a:rPr lang="en-US" b="0" i="0" dirty="0">
+                <a:solidFill>
+                  <a:srgbClr val="FFFFFF"/>
+                </a:solidFill>
+                <a:effectLst/>
+                <a:latin typeface="Inter"/>
+                <a:hlinkClick r:id="rId3"/>
+              </a:rPr>
+              <a:t>MDX</a:t>
+            </a:r>
+            <a:r>
+              <a:rPr lang="en-US" b="0" i="0" dirty="0">
+                <a:solidFill>
+                  <a:srgbClr val="FFFFFF"/>
+                </a:solidFill>
+                <a:effectLst/>
+                <a:latin typeface="Inter"/>
+              </a:rPr>
+              <a:t> under the hood. This gives you the ability to include predefined components inside your contents.</a:t>
+            </a:r>
+          </a:p>
+          <a:p>
+            <a:pPr algn="l"/>
+            <a:r>
+              <a:rPr lang="en-US" b="0" i="0" dirty="0">
+                <a:solidFill>
+                  <a:srgbClr val="FFFFFF"/>
+                </a:solidFill>
+                <a:effectLst/>
+                <a:latin typeface="Inter"/>
+              </a:rPr>
+              <a:t>You can add components to your domains, services or messages.</a:t>
+            </a:r>
+          </a:p>
+          <a:p>
+            <a:pPr algn="l"/>
+            <a:endParaRPr lang="en-US" b="0" i="0" dirty="0">
+              <a:solidFill>
+                <a:srgbClr val="FFFFFF"/>
+              </a:solidFill>
+              <a:effectLst/>
+              <a:latin typeface="Inter"/>
+            </a:endParaRPr>
+          </a:p>
+          <a:p>
+            <a:pPr algn="l"/>
+            <a:r>
+              <a:rPr lang="en-AU" dirty="0">
+                <a:hlinkClick r:id="rId4"/>
+              </a:rPr>
+              <a:t>Using components - </a:t>
+            </a:r>
+            <a:r>
+              <a:rPr lang="en-AU" dirty="0" err="1">
+                <a:hlinkClick r:id="rId4"/>
+              </a:rPr>
+              <a:t>EventCatalog</a:t>
+            </a:r>
+            <a:endParaRPr lang="en-US" b="0" i="0" dirty="0">
+              <a:solidFill>
+                <a:srgbClr val="FFFFFF"/>
+              </a:solidFill>
+              <a:effectLst/>
+              <a:latin typeface="Inter"/>
+            </a:endParaRPr>
+          </a:p>
+          <a:p>
+            <a:endParaRPr lang="en-AU" dirty="0"/>
+          </a:p>
+        </p:txBody>
+      </p:sp>
+      <p:sp>
+        <p:nvSpPr>
+          <p:cNvPr id="4" name="Slide Number Placeholder 3"/>
+          <p:cNvSpPr>
+            <a:spLocks noGrp="1"/>
+          </p:cNvSpPr>
+          <p:nvPr>
+            <p:ph type="sldNum" sz="quarter" idx="5"/>
+          </p:nvPr>
+        </p:nvSpPr>
+        <p:spPr/>
+        <p:txBody>
+          <a:bodyPr/>
+          <a:lstStyle/>
+          <a:p>
+            <a:fld id="{B968E549-D0CC-4F05-9935-1FFA6083C12D}" type="slidenum">
+              <a:rPr lang="en-AU" smtClean="0"/>
+              <a:t>27</a:t>
+            </a:fld>
+            <a:endParaRPr lang="en-AU"/>
+          </a:p>
+        </p:txBody>
+      </p:sp>
+    </p:spTree>
+    <p:extLst>
+      <p:ext uri="{BB962C8B-B14F-4D97-AF65-F5344CB8AC3E}">
+        <p14:creationId xmlns:p14="http://schemas.microsoft.com/office/powerpoint/2010/main" val="2107529755"/>
+      </p:ext>
+    </p:extLst>
+  </p:cSld>
+  <p:clrMapOvr>
+    <a:masterClrMapping/>
+  </p:clrMapOvr>
+</p:notes>
+</file>
+
+<file path=ppt/notesSlides/notesSlide21.xml><?xml version="1.0" encoding="utf-8"?>
+<p:notes xmlns:a="http://schemas.openxmlformats.org/drawingml/2006/main" xmlns:r="http://schemas.openxmlformats.org/officeDocument/2006/relationships" xmlns:p="http://schemas.openxmlformats.org/presentationml/2006/main">
+  <p:cSld>
+    <p:spTree>
+      <p:nvGrpSpPr>
+        <p:cNvPr id="1" name=""/>
+        <p:cNvGrpSpPr/>
+        <p:nvPr/>
+      </p:nvGrpSpPr>
+      <p:grpSpPr>
+        <a:xfrm>
+          <a:off x="0" y="0"/>
+          <a:ext cx="0" cy="0"/>
+          <a:chOff x="0" y="0"/>
+          <a:chExt cx="0" cy="0"/>
+        </a:xfrm>
+      </p:grpSpPr>
+      <p:sp>
+        <p:nvSpPr>
+          <p:cNvPr id="2" name="Slide Image Placeholder 1"/>
+          <p:cNvSpPr>
+            <a:spLocks noGrp="1" noRot="1" noChangeAspect="1"/>
+          </p:cNvSpPr>
+          <p:nvPr>
+            <p:ph type="sldImg"/>
+          </p:nvPr>
+        </p:nvSpPr>
+        <p:spPr/>
+      </p:sp>
+      <p:sp>
+        <p:nvSpPr>
+          <p:cNvPr id="3" name="Notes Placeholder 2"/>
+          <p:cNvSpPr>
+            <a:spLocks noGrp="1"/>
+          </p:cNvSpPr>
+          <p:nvPr>
+            <p:ph type="body" idx="1"/>
+          </p:nvPr>
+        </p:nvSpPr>
+        <p:spPr/>
+        <p:txBody>
+          <a:bodyPr/>
+          <a:lstStyle/>
+          <a:p>
             <a:pPr algn="l">
               <a:spcBef>
                 <a:spcPts val="1200"/>
@@ -3443,7 +3628,7 @@
           <a:p>
             <a:fld id="{B968E549-D0CC-4F05-9935-1FFA6083C12D}" type="slidenum">
               <a:rPr lang="en-AU" smtClean="0"/>
-              <a:t>27</a:t>
+              <a:t>31</a:t>
             </a:fld>
             <a:endParaRPr lang="en-AU"/>
           </a:p>
@@ -5693,7 +5878,7 @@
           <a:p>
             <a:fld id="{A63B5C04-C158-47A6-A5EA-7EEED54CE38C}" type="datetimeFigureOut">
               <a:rPr lang="en-AU" smtClean="0"/>
-              <a:t>31/12/2024</a:t>
+              <a:t>4/01/2025</a:t>
             </a:fld>
             <a:endParaRPr lang="en-AU"/>
           </a:p>
@@ -5893,7 +6078,7 @@
           <a:p>
             <a:fld id="{A63B5C04-C158-47A6-A5EA-7EEED54CE38C}" type="datetimeFigureOut">
               <a:rPr lang="en-AU" smtClean="0"/>
-              <a:t>31/12/2024</a:t>
+              <a:t>4/01/2025</a:t>
             </a:fld>
             <a:endParaRPr lang="en-AU"/>
           </a:p>
@@ -6103,7 +6288,7 @@
           <a:p>
             <a:fld id="{A63B5C04-C158-47A6-A5EA-7EEED54CE38C}" type="datetimeFigureOut">
               <a:rPr lang="en-AU" smtClean="0"/>
-              <a:t>31/12/2024</a:t>
+              <a:t>4/01/2025</a:t>
             </a:fld>
             <a:endParaRPr lang="en-AU"/>
           </a:p>
@@ -6303,7 +6488,7 @@
           <a:p>
             <a:fld id="{A63B5C04-C158-47A6-A5EA-7EEED54CE38C}" type="datetimeFigureOut">
               <a:rPr lang="en-AU" smtClean="0"/>
-              <a:t>31/12/2024</a:t>
+              <a:t>4/01/2025</a:t>
             </a:fld>
             <a:endParaRPr lang="en-AU"/>
           </a:p>
@@ -6579,7 +6764,7 @@
           <a:p>
             <a:fld id="{A63B5C04-C158-47A6-A5EA-7EEED54CE38C}" type="datetimeFigureOut">
               <a:rPr lang="en-AU" smtClean="0"/>
-              <a:t>31/12/2024</a:t>
+              <a:t>4/01/2025</a:t>
             </a:fld>
             <a:endParaRPr lang="en-AU"/>
           </a:p>
@@ -6847,7 +7032,7 @@
           <a:p>
             <a:fld id="{A63B5C04-C158-47A6-A5EA-7EEED54CE38C}" type="datetimeFigureOut">
               <a:rPr lang="en-AU" smtClean="0"/>
-              <a:t>31/12/2024</a:t>
+              <a:t>4/01/2025</a:t>
             </a:fld>
             <a:endParaRPr lang="en-AU"/>
           </a:p>
@@ -7262,7 +7447,7 @@
           <a:p>
             <a:fld id="{A63B5C04-C158-47A6-A5EA-7EEED54CE38C}" type="datetimeFigureOut">
               <a:rPr lang="en-AU" smtClean="0"/>
-              <a:t>31/12/2024</a:t>
+              <a:t>4/01/2025</a:t>
             </a:fld>
             <a:endParaRPr lang="en-AU"/>
           </a:p>
@@ -7404,7 +7589,7 @@
           <a:p>
             <a:fld id="{A63B5C04-C158-47A6-A5EA-7EEED54CE38C}" type="datetimeFigureOut">
               <a:rPr lang="en-AU" smtClean="0"/>
-              <a:t>31/12/2024</a:t>
+              <a:t>4/01/2025</a:t>
             </a:fld>
             <a:endParaRPr lang="en-AU"/>
           </a:p>
@@ -7517,7 +7702,7 @@
           <a:p>
             <a:fld id="{A63B5C04-C158-47A6-A5EA-7EEED54CE38C}" type="datetimeFigureOut">
               <a:rPr lang="en-AU" smtClean="0"/>
-              <a:t>31/12/2024</a:t>
+              <a:t>4/01/2025</a:t>
             </a:fld>
             <a:endParaRPr lang="en-AU"/>
           </a:p>
@@ -7830,7 +8015,7 @@
           <a:p>
             <a:fld id="{A63B5C04-C158-47A6-A5EA-7EEED54CE38C}" type="datetimeFigureOut">
               <a:rPr lang="en-AU" smtClean="0"/>
-              <a:t>31/12/2024</a:t>
+              <a:t>4/01/2025</a:t>
             </a:fld>
             <a:endParaRPr lang="en-AU"/>
           </a:p>
@@ -8119,7 +8304,7 @@
           <a:p>
             <a:fld id="{A63B5C04-C158-47A6-A5EA-7EEED54CE38C}" type="datetimeFigureOut">
               <a:rPr lang="en-AU" smtClean="0"/>
-              <a:t>31/12/2024</a:t>
+              <a:t>4/01/2025</a:t>
             </a:fld>
             <a:endParaRPr lang="en-AU"/>
           </a:p>
@@ -8362,7 +8547,7 @@
           <a:p>
             <a:fld id="{A63B5C04-C158-47A6-A5EA-7EEED54CE38C}" type="datetimeFigureOut">
               <a:rPr lang="en-AU" smtClean="0"/>
-              <a:t>31/12/2024</a:t>
+              <a:t>4/01/2025</a:t>
             </a:fld>
             <a:endParaRPr lang="en-AU"/>
           </a:p>
@@ -11468,7 +11653,7 @@
           <p:cNvPr id="2" name="Title 1">
             <a:extLst>
               <a:ext uri="{FF2B5EF4-FFF2-40B4-BE49-F238E27FC236}">
-                <a16:creationId xmlns:a16="http://schemas.microsoft.com/office/drawing/2014/main" id="{5E31D155-304D-27AE-2C93-96D007EF38A5}"/>
+                <a16:creationId xmlns:a16="http://schemas.microsoft.com/office/drawing/2014/main" id="{0E7F47EF-127B-914B-AE14-8A3253C9788A}"/>
               </a:ext>
             </a:extLst>
           </p:cNvPr>
@@ -11484,63 +11669,129 @@
           <a:bodyPr/>
           <a:lstStyle/>
           <a:p>
-            <a:endParaRPr lang="en-AU"/>
+            <a:r>
+              <a:rPr lang="en-AU" dirty="0"/>
+              <a:t>Event </a:t>
+            </a:r>
+            <a:r>
+              <a:rPr lang="en-AU" dirty="0" err="1"/>
+              <a:t>Catalog</a:t>
+            </a:r>
+            <a:endParaRPr lang="en-AU" dirty="0"/>
+          </a:p>
+        </p:txBody>
+      </p:sp>
+      <p:sp>
+        <p:nvSpPr>
+          <p:cNvPr id="3" name="Content Placeholder 2">
+            <a:extLst>
+              <a:ext uri="{FF2B5EF4-FFF2-40B4-BE49-F238E27FC236}">
+                <a16:creationId xmlns:a16="http://schemas.microsoft.com/office/drawing/2014/main" id="{89C2267B-4FA5-3217-DE97-2086188AB7E8}"/>
+              </a:ext>
+            </a:extLst>
+          </p:cNvPr>
+          <p:cNvSpPr>
+            <a:spLocks noGrp="1"/>
+          </p:cNvSpPr>
+          <p:nvPr>
+            <p:ph idx="1"/>
+          </p:nvPr>
+        </p:nvSpPr>
+        <p:spPr/>
+        <p:txBody>
+          <a:bodyPr/>
+          <a:lstStyle/>
+          <a:p>
+            <a:r>
+              <a:rPr lang="en-AU" dirty="0"/>
+              <a:t>Demo </a:t>
+            </a:r>
+            <a:r>
+              <a:rPr lang="en-AU" dirty="0" err="1">
+                <a:hlinkClick r:id="rId3"/>
+              </a:rPr>
+              <a:t>EventCatalog</a:t>
+            </a:r>
+            <a:r>
+              <a:rPr lang="en-AU" dirty="0">
+                <a:hlinkClick r:id="rId3"/>
+              </a:rPr>
+              <a:t> | Domains | Orders</a:t>
+            </a:r>
+            <a:br>
+              <a:rPr lang="en-AU" dirty="0"/>
+            </a:br>
+            <a:r>
+              <a:rPr lang="en-US" b="0" i="0" dirty="0">
+                <a:solidFill>
+                  <a:srgbClr val="374151"/>
+                </a:solidFill>
+                <a:effectLst/>
+                <a:latin typeface="ui-sans-serif"/>
+              </a:rPr>
+              <a:t>Discover and document your event-driven architecture effortlessly</a:t>
+            </a:r>
+            <a:r>
+              <a:rPr lang="en-AU" b="0" i="0" dirty="0">
+                <a:solidFill>
+                  <a:srgbClr val="374151"/>
+                </a:solidFill>
+                <a:effectLst/>
+                <a:latin typeface="ui-sans-serif"/>
+              </a:rPr>
+              <a:t>.</a:t>
+            </a:r>
+            <a:endParaRPr lang="en-AU" dirty="0"/>
+          </a:p>
+          <a:p>
+            <a:endParaRPr lang="en-AU" dirty="0"/>
           </a:p>
         </p:txBody>
       </p:sp>
       <p:pic>
         <p:nvPicPr>
-          <p:cNvPr id="3074" name="Picture 2" descr="Figure 1 shows an example of how the Materialized View pattern might be used">
+          <p:cNvPr id="7" name="Picture 6">
             <a:extLst>
               <a:ext uri="{FF2B5EF4-FFF2-40B4-BE49-F238E27FC236}">
-                <a16:creationId xmlns:a16="http://schemas.microsoft.com/office/drawing/2014/main" id="{1FAEED6E-FA0F-CD6B-BEC7-554287270BA3}"/>
+                <a16:creationId xmlns:a16="http://schemas.microsoft.com/office/drawing/2014/main" id="{2FB6F560-8A9A-3291-D47B-52BFA9259B0D}"/>
               </a:ext>
             </a:extLst>
           </p:cNvPr>
           <p:cNvPicPr>
-            <a:picLocks noGrp="1" noChangeAspect="1" noChangeArrowheads="1"/>
+            <a:picLocks noChangeAspect="1"/>
           </p:cNvPicPr>
-          <p:nvPr>
-            <p:ph idx="1"/>
-          </p:nvPr>
+          <p:nvPr/>
         </p:nvPicPr>
         <p:blipFill>
-          <a:blip r:embed="rId3">
-            <a:extLst>
-              <a:ext uri="{28A0092B-C50C-407E-A947-70E740481C1C}">
-                <a14:useLocalDpi xmlns:a14="http://schemas.microsoft.com/office/drawing/2010/main" val="0"/>
-              </a:ext>
-            </a:extLst>
-          </a:blip>
-          <a:srcRect/>
+          <a:blip r:embed="rId4"/>
           <a:stretch>
             <a:fillRect/>
           </a:stretch>
         </p:blipFill>
-        <p:spPr bwMode="auto">
+        <p:spPr>
           <a:xfrm>
-            <a:off x="2286000" y="2382044"/>
-            <a:ext cx="7620000" cy="3238500"/>
+            <a:off x="679150" y="2770273"/>
+            <a:ext cx="10833700" cy="3968623"/>
           </a:xfrm>
           <a:prstGeom prst="rect">
             <a:avLst/>
           </a:prstGeom>
-          <a:noFill/>
-          <a:extLst>
-            <a:ext uri="{909E8E84-426E-40DD-AFC4-6F175D3DCCD1}">
-              <a14:hiddenFill xmlns:a14="http://schemas.microsoft.com/office/drawing/2010/main">
-                <a:solidFill>
-                  <a:srgbClr val="FFFFFF"/>
-                </a:solidFill>
-              </a14:hiddenFill>
-            </a:ext>
-          </a:extLst>
+          <a:ln>
+            <a:noFill/>
+          </a:ln>
+          <a:effectLst>
+            <a:outerShdw blurRad="292100" dist="139700" dir="2700000" algn="tl" rotWithShape="0">
+              <a:srgbClr val="333333">
+                <a:alpha val="65000"/>
+              </a:srgbClr>
+            </a:outerShdw>
+          </a:effectLst>
         </p:spPr>
       </p:pic>
     </p:spTree>
     <p:extLst>
       <p:ext uri="{BB962C8B-B14F-4D97-AF65-F5344CB8AC3E}">
-        <p14:creationId xmlns:p14="http://schemas.microsoft.com/office/powerpoint/2010/main" val="329784588"/>
+        <p14:creationId xmlns:p14="http://schemas.microsoft.com/office/powerpoint/2010/main" val="2377258027"/>
       </p:ext>
     </p:extLst>
   </p:cSld>
@@ -11572,7 +11823,7 @@
           <p:cNvPr id="2" name="Title 1">
             <a:extLst>
               <a:ext uri="{FF2B5EF4-FFF2-40B4-BE49-F238E27FC236}">
-                <a16:creationId xmlns:a16="http://schemas.microsoft.com/office/drawing/2014/main" id="{1E1ADBDC-2E02-635F-9A3D-3D8E20D85FD3}"/>
+                <a16:creationId xmlns:a16="http://schemas.microsoft.com/office/drawing/2014/main" id="{775514DE-F4E1-CC3E-CC01-D81EF22310FF}"/>
               </a:ext>
             </a:extLst>
           </p:cNvPr>
@@ -11589,24 +11840,24 @@
           <a:lstStyle/>
           <a:p>
             <a:r>
-              <a:rPr lang="en-AU" b="1" dirty="0">
-                <a:latin typeface="+mn-lt"/>
-              </a:rPr>
-              <a:t>Web API – A </a:t>
-            </a:r>
-            <a:r>
-              <a:rPr lang="en-AU" b="1" i="0" dirty="0">
-                <a:effectLst/>
-                <a:latin typeface="+mn-lt"/>
-              </a:rPr>
-              <a:t>Backend for Frontends</a:t>
-            </a:r>
-            <a:r>
-              <a:rPr lang="en-AU" b="1" dirty="0">
-                <a:latin typeface="+mn-lt"/>
-              </a:rPr>
-              <a:t> </a:t>
-            </a:r>
+              <a:rPr lang="en-AU" dirty="0" err="1">
+                <a:hlinkClick r:id="rId2"/>
+              </a:rPr>
+              <a:t>EventCatalog</a:t>
+            </a:r>
+            <a:r>
+              <a:rPr lang="en-AU" dirty="0">
+                <a:hlinkClick r:id="rId2"/>
+              </a:rPr>
+              <a:t> Integrations - </a:t>
+            </a:r>
+            <a:r>
+              <a:rPr lang="en-AU" dirty="0" err="1">
+                <a:hlinkClick r:id="rId2"/>
+              </a:rPr>
+              <a:t>EventCatalog</a:t>
+            </a:r>
+            <a:endParaRPr lang="en-AU" dirty="0"/>
           </a:p>
         </p:txBody>
       </p:sp>
@@ -11615,7 +11866,7 @@
           <p:cNvPr id="3" name="Content Placeholder 2">
             <a:extLst>
               <a:ext uri="{FF2B5EF4-FFF2-40B4-BE49-F238E27FC236}">
-                <a16:creationId xmlns:a16="http://schemas.microsoft.com/office/drawing/2014/main" id="{111A0BC8-98D3-0F1A-E2EE-AD7EF7CE5946}"/>
+                <a16:creationId xmlns:a16="http://schemas.microsoft.com/office/drawing/2014/main" id="{FD43D10F-4B6C-9183-AEE1-EACDE86E7B64}"/>
               </a:ext>
             </a:extLst>
           </p:cNvPr>
@@ -11630,83 +11881,148 @@
         <p:txBody>
           <a:bodyPr/>
           <a:lstStyle/>
+          <a:p>
+            <a:r>
+              <a:rPr lang="en-AU" dirty="0">
+                <a:hlinkClick r:id="rId3"/>
+              </a:rPr>
+              <a:t>Download </a:t>
+            </a:r>
+            <a:r>
+              <a:rPr lang="en-AU" dirty="0" err="1">
+                <a:hlinkClick r:id="rId3"/>
+              </a:rPr>
+              <a:t>Modeling</a:t>
+            </a:r>
+            <a:r>
+              <a:rPr lang="en-AU" dirty="0">
+                <a:hlinkClick r:id="rId3"/>
+              </a:rPr>
+              <a:t> SDK for Microsoft Visual Studio 2015 from Official Microsoft Download </a:t>
+            </a:r>
+            <a:r>
+              <a:rPr lang="en-AU" dirty="0" err="1">
+                <a:hlinkClick r:id="rId3"/>
+              </a:rPr>
+              <a:t>Center</a:t>
+            </a:r>
+            <a:endParaRPr lang="en-AU" dirty="0"/>
+          </a:p>
+          <a:p>
+            <a:endParaRPr lang="en-AU" dirty="0"/>
+          </a:p>
+          <a:p>
+            <a:endParaRPr lang="en-AU" dirty="0"/>
+          </a:p>
           <a:p>
             <a:pPr marL="0" indent="0">
               <a:buNone/>
             </a:pPr>
             <a:r>
-              <a:rPr lang="en-AU" dirty="0">
-                <a:latin typeface="Segoe UI" panose="020B0502040204020203" pitchFamily="34" charset="0"/>
-              </a:rPr>
-              <a:t>E</a:t>
-            </a:r>
-            <a:r>
-              <a:rPr lang="en-AU" b="0" i="0" dirty="0">
-                <a:effectLst/>
-                <a:latin typeface="Segoe UI" panose="020B0502040204020203" pitchFamily="34" charset="0"/>
-              </a:rPr>
-              <a:t>xpose endpoints that allow client applications to call their APIs. </a:t>
-            </a:r>
-          </a:p>
-          <a:p>
-            <a:pPr marL="0" indent="0">
-              <a:buNone/>
-            </a:pPr>
-            <a:r>
-              <a:rPr lang="en-AU" b="0" i="0" dirty="0">
-                <a:effectLst/>
-                <a:latin typeface="Segoe UI" panose="020B0502040204020203" pitchFamily="34" charset="0"/>
-              </a:rPr>
-              <a:t>The code used to implement the APIs triggers or performs several tasks, including but not limited to </a:t>
-            </a:r>
-          </a:p>
-          <a:p>
-            <a:r>
-              <a:rPr lang="en-AU" b="0" i="0" dirty="0">
-                <a:effectLst/>
-                <a:latin typeface="Segoe UI" panose="020B0502040204020203" pitchFamily="34" charset="0"/>
-              </a:rPr>
-              <a:t>authentication, </a:t>
-            </a:r>
-          </a:p>
-          <a:p>
-            <a:r>
-              <a:rPr lang="en-AU" b="0" i="0" dirty="0">
-                <a:effectLst/>
-                <a:latin typeface="Segoe UI" panose="020B0502040204020203" pitchFamily="34" charset="0"/>
-              </a:rPr>
-              <a:t>authorization, </a:t>
-            </a:r>
-          </a:p>
-          <a:p>
-            <a:r>
-              <a:rPr lang="en-AU" b="0" i="0" dirty="0">
-                <a:effectLst/>
-                <a:latin typeface="Segoe UI" panose="020B0502040204020203" pitchFamily="34" charset="0"/>
-              </a:rPr>
-              <a:t>parameter validation, and </a:t>
-            </a:r>
-          </a:p>
-          <a:p>
-            <a:r>
-              <a:rPr lang="en-AU" b="0" i="0" dirty="0">
-                <a:effectLst/>
-                <a:latin typeface="Segoe UI" panose="020B0502040204020203" pitchFamily="34" charset="0"/>
-              </a:rPr>
-              <a:t>some or all request processing. </a:t>
-            </a:r>
-          </a:p>
-          <a:p>
-            <a:pPr marL="0" indent="0">
-              <a:buNone/>
-            </a:pPr>
-            <a:r>
-              <a:rPr lang="en-AU" b="0" i="0" dirty="0">
-                <a:effectLst/>
-                <a:latin typeface="Segoe UI" panose="020B0502040204020203" pitchFamily="34" charset="0"/>
-              </a:rPr>
-              <a:t>The API code is likely to access storage and other services on behalf of the client.</a:t>
-            </a:r>
+              <a:rPr lang="en-US" b="0" i="0" dirty="0">
+                <a:solidFill>
+                  <a:srgbClr val="0C0D0E"/>
+                </a:solidFill>
+                <a:effectLst/>
+                <a:latin typeface="-apple-system"/>
+              </a:rPr>
+              <a:t>An entire solution built into VS, which focuses largely on building your with Visual Studio's design tools over code. It comes with a minimum language starter template to help you.</a:t>
+            </a:r>
+            <a:endParaRPr lang="en-AU" dirty="0"/>
+          </a:p>
+          <a:p>
+            <a:pPr algn="l" fontAlgn="base">
+              <a:buFont typeface="Arial" panose="020B0604020202020204" pitchFamily="34" charset="0"/>
+              <a:buChar char="•"/>
+            </a:pPr>
+            <a:r>
+              <a:rPr lang="en-AU" b="0" i="0" u="sng" dirty="0">
+                <a:solidFill>
+                  <a:srgbClr val="0C0D0E"/>
+                </a:solidFill>
+                <a:effectLst/>
+                <a:latin typeface="inherit"/>
+                <a:hlinkClick r:id="rId4"/>
+              </a:rPr>
+              <a:t>Microsoft Visual Studio 2012 Visualization &amp; </a:t>
+            </a:r>
+            <a:r>
+              <a:rPr lang="en-AU" b="0" i="0" u="sng" dirty="0" err="1">
+                <a:solidFill>
+                  <a:srgbClr val="0C0D0E"/>
+                </a:solidFill>
+                <a:effectLst/>
+                <a:latin typeface="inherit"/>
+                <a:hlinkClick r:id="rId4"/>
+              </a:rPr>
+              <a:t>Modeling</a:t>
+            </a:r>
+            <a:r>
+              <a:rPr lang="en-AU" b="0" i="0" u="sng" dirty="0">
+                <a:solidFill>
+                  <a:srgbClr val="0C0D0E"/>
+                </a:solidFill>
+                <a:effectLst/>
+                <a:latin typeface="inherit"/>
+                <a:hlinkClick r:id="rId4"/>
+              </a:rPr>
+              <a:t> SDK</a:t>
+            </a:r>
+            <a:endParaRPr lang="en-AU" b="0" i="0" dirty="0">
+              <a:solidFill>
+                <a:srgbClr val="0C0D0E"/>
+              </a:solidFill>
+              <a:effectLst/>
+              <a:latin typeface="inherit"/>
+            </a:endParaRPr>
+          </a:p>
+          <a:p>
+            <a:pPr algn="l" fontAlgn="base">
+              <a:buFont typeface="Arial" panose="020B0604020202020204" pitchFamily="34" charset="0"/>
+              <a:buChar char="•"/>
+            </a:pPr>
+            <a:r>
+              <a:rPr lang="en-AU" b="0" i="0" u="sng" dirty="0">
+                <a:solidFill>
+                  <a:srgbClr val="0C0D0E"/>
+                </a:solidFill>
+                <a:effectLst/>
+                <a:latin typeface="inherit"/>
+                <a:hlinkClick r:id="rId5"/>
+              </a:rPr>
+              <a:t>Microsoft Visual Studio 2010 Visualization &amp; </a:t>
+            </a:r>
+            <a:r>
+              <a:rPr lang="en-AU" b="0" i="0" u="sng" dirty="0" err="1">
+                <a:solidFill>
+                  <a:srgbClr val="0C0D0E"/>
+                </a:solidFill>
+                <a:effectLst/>
+                <a:latin typeface="inherit"/>
+                <a:hlinkClick r:id="rId5"/>
+              </a:rPr>
+              <a:t>Modeling</a:t>
+            </a:r>
+            <a:r>
+              <a:rPr lang="en-AU" b="0" i="0" u="sng" dirty="0">
+                <a:solidFill>
+                  <a:srgbClr val="0C0D0E"/>
+                </a:solidFill>
+                <a:effectLst/>
+                <a:latin typeface="inherit"/>
+                <a:hlinkClick r:id="rId5"/>
+              </a:rPr>
+              <a:t> SDK</a:t>
+            </a:r>
+            <a:endParaRPr lang="en-AU" b="0" i="0" dirty="0">
+              <a:solidFill>
+                <a:srgbClr val="0C0D0E"/>
+              </a:solidFill>
+              <a:effectLst/>
+              <a:latin typeface="inherit"/>
+            </a:endParaRPr>
+          </a:p>
+          <a:p>
             <a:endParaRPr lang="en-AU" dirty="0"/>
           </a:p>
         </p:txBody>
@@ -11714,7 +12030,7 @@
     </p:spTree>
     <p:extLst>
       <p:ext uri="{BB962C8B-B14F-4D97-AF65-F5344CB8AC3E}">
-        <p14:creationId xmlns:p14="http://schemas.microsoft.com/office/powerpoint/2010/main" val="1945649972"/>
+        <p14:creationId xmlns:p14="http://schemas.microsoft.com/office/powerpoint/2010/main" val="2492009359"/>
       </p:ext>
     </p:extLst>
   </p:cSld>
@@ -11746,7 +12062,7 @@
           <p:cNvPr id="2" name="Title 1">
             <a:extLst>
               <a:ext uri="{FF2B5EF4-FFF2-40B4-BE49-F238E27FC236}">
-                <a16:creationId xmlns:a16="http://schemas.microsoft.com/office/drawing/2014/main" id="{156B1B78-0487-C7E2-8AF3-9EB8CAEC1E3A}"/>
+                <a16:creationId xmlns:a16="http://schemas.microsoft.com/office/drawing/2014/main" id="{E84F6909-407D-E23E-0896-3E140A9361F4}"/>
               </a:ext>
             </a:extLst>
           </p:cNvPr>
@@ -11762,7 +12078,7 @@
           <a:bodyPr/>
           <a:lstStyle/>
           <a:p>
-            <a:endParaRPr lang="en-AU" dirty="0"/>
+            <a:endParaRPr lang="en-AU"/>
           </a:p>
         </p:txBody>
       </p:sp>
@@ -11771,7 +12087,7 @@
           <p:cNvPr id="3" name="Content Placeholder 2">
             <a:extLst>
               <a:ext uri="{FF2B5EF4-FFF2-40B4-BE49-F238E27FC236}">
-                <a16:creationId xmlns:a16="http://schemas.microsoft.com/office/drawing/2014/main" id="{5C5A5BF8-1FD9-982F-45B8-4F1A777459CE}"/>
+                <a16:creationId xmlns:a16="http://schemas.microsoft.com/office/drawing/2014/main" id="{E8C42DF9-9CF5-AE1F-BD2E-4B24DB63F0C3}"/>
               </a:ext>
             </a:extLst>
           </p:cNvPr>
@@ -11785,85 +12101,57 @@
         <p:spPr/>
         <p:txBody>
           <a:bodyPr>
-            <a:normAutofit lnSpcReduction="10000"/>
+            <a:normAutofit/>
           </a:bodyPr>
           <a:lstStyle/>
           <a:p>
-            <a:pPr algn="l"/>
-            <a:r>
-              <a:rPr lang="en-AU" b="0" i="0" dirty="0">
-                <a:effectLst/>
-                <a:latin typeface="Segoe UI" panose="020B0502040204020203" pitchFamily="34" charset="0"/>
-              </a:rPr>
-              <a:t>communicate by using HTTP-based web services. However, this approach has drawbacks, including:</a:t>
-            </a:r>
-          </a:p>
-          <a:p>
-            <a:pPr algn="l">
-              <a:spcBef>
-                <a:spcPts val="1200"/>
-              </a:spcBef>
-              <a:spcAft>
-                <a:spcPts val="1200"/>
-              </a:spcAft>
-              <a:buFont typeface="Arial" panose="020B0604020202020204" pitchFamily="34" charset="0"/>
-              <a:buChar char="•"/>
-            </a:pPr>
-            <a:r>
-              <a:rPr lang="en-AU" b="0" i="0" dirty="0">
-                <a:effectLst/>
-                <a:latin typeface="Segoe UI" panose="020B0502040204020203" pitchFamily="34" charset="0"/>
-              </a:rPr>
-              <a:t>The systems must be modified by adding an HTTP client on one side and an HTTP request handler on the other. The systems must then be retested and redeployed.</a:t>
-            </a:r>
-          </a:p>
-          <a:p>
-            <a:pPr algn="l">
-              <a:spcBef>
-                <a:spcPts val="1200"/>
-              </a:spcBef>
-              <a:spcAft>
-                <a:spcPts val="1200"/>
-              </a:spcAft>
-              <a:buFont typeface="Arial" panose="020B0604020202020204" pitchFamily="34" charset="0"/>
-              <a:buChar char="•"/>
-            </a:pPr>
-            <a:r>
-              <a:rPr lang="en-AU" b="0" i="0" dirty="0">
-                <a:effectLst/>
-                <a:latin typeface="Segoe UI" panose="020B0502040204020203" pitchFamily="34" charset="0"/>
-              </a:rPr>
-              <a:t>HTTP endpoints must be hosted, which adds complexity when you make web services secure and highly available.</a:t>
-            </a:r>
-          </a:p>
-          <a:p>
-            <a:pPr algn="l">
-              <a:spcBef>
-                <a:spcPts val="1200"/>
-              </a:spcBef>
-              <a:spcAft>
-                <a:spcPts val="1200"/>
-              </a:spcAft>
-              <a:buFont typeface="Arial" panose="020B0604020202020204" pitchFamily="34" charset="0"/>
-              <a:buChar char="•"/>
-            </a:pPr>
-            <a:r>
-              <a:rPr lang="en-AU" b="0" i="0" dirty="0">
-                <a:effectLst/>
-                <a:latin typeface="Segoe UI" panose="020B0502040204020203" pitchFamily="34" charset="0"/>
-              </a:rPr>
-              <a:t>Frequent network connectivity problems that require custom-built retry mechanisms.</a:t>
-            </a:r>
-          </a:p>
-          <a:p>
-            <a:endParaRPr lang="en-AU" dirty="0"/>
+            <a:pPr algn="ctr"/>
+            <a:r>
+              <a:rPr lang="en-US" sz="2400" dirty="0">
+                <a:hlinkClick r:id="rId2"/>
+              </a:rPr>
+              <a:t>Getting Started with Modelling SDK ( DSL in Visual Studio 2017) – YouTube</a:t>
+            </a:r>
+            <a:endParaRPr lang="en-US" sz="2400" dirty="0"/>
+          </a:p>
+          <a:p>
+            <a:pPr algn="ctr"/>
+            <a:endParaRPr lang="en-US" sz="2400" dirty="0"/>
+          </a:p>
+          <a:p>
+            <a:pPr algn="ctr"/>
+            <a:r>
+              <a:rPr lang="en-US" sz="1600" dirty="0">
+                <a:hlinkClick r:id="rId3"/>
+              </a:rPr>
+              <a:t>Supported Visual Studio Editions for Visualization and Modeling SDK | Microsoft Learn</a:t>
+            </a:r>
+            <a:endParaRPr lang="en-US" sz="1600" dirty="0"/>
+          </a:p>
+          <a:p>
+            <a:pPr algn="ctr"/>
+            <a:endParaRPr lang="en-US" sz="1600" dirty="0"/>
+          </a:p>
+          <a:p>
+            <a:pPr algn="ctr"/>
+            <a:endParaRPr lang="en-US" sz="1600" dirty="0"/>
+          </a:p>
+          <a:p>
+            <a:pPr algn="ctr"/>
+            <a:r>
+              <a:rPr lang="en-US" sz="1600" dirty="0">
+                <a:hlinkClick r:id="rId4"/>
+              </a:rPr>
+              <a:t>Use models in your development process - Visual Studio (Windows) | Microsoft Learn</a:t>
+            </a:r>
+            <a:endParaRPr lang="en-AU" sz="2400" dirty="0"/>
           </a:p>
         </p:txBody>
       </p:sp>
     </p:spTree>
     <p:extLst>
       <p:ext uri="{BB962C8B-B14F-4D97-AF65-F5344CB8AC3E}">
-        <p14:creationId xmlns:p14="http://schemas.microsoft.com/office/powerpoint/2010/main" val="4158214056"/>
+        <p14:creationId xmlns:p14="http://schemas.microsoft.com/office/powerpoint/2010/main" val="430537092"/>
       </p:ext>
     </p:extLst>
   </p:cSld>
@@ -12117,6 +12405,580 @@
     <p:extLst>
       <p:ext uri="{BB962C8B-B14F-4D97-AF65-F5344CB8AC3E}">
         <p14:creationId xmlns:p14="http://schemas.microsoft.com/office/powerpoint/2010/main" val="2675817300"/>
+      </p:ext>
+    </p:extLst>
+  </p:cSld>
+  <p:clrMapOvr>
+    <a:masterClrMapping/>
+  </p:clrMapOvr>
+</p:sld>
+</file>
+
+<file path=ppt/slides/slide30.xml><?xml version="1.0" encoding="utf-8"?>
+<p:sld xmlns:a="http://schemas.openxmlformats.org/drawingml/2006/main" xmlns:r="http://schemas.openxmlformats.org/officeDocument/2006/relationships" xmlns:p="http://schemas.openxmlformats.org/presentationml/2006/main">
+  <p:cSld>
+    <p:spTree>
+      <p:nvGrpSpPr>
+        <p:cNvPr id="1" name=""/>
+        <p:cNvGrpSpPr/>
+        <p:nvPr/>
+      </p:nvGrpSpPr>
+      <p:grpSpPr>
+        <a:xfrm>
+          <a:off x="0" y="0"/>
+          <a:ext cx="0" cy="0"/>
+          <a:chOff x="0" y="0"/>
+          <a:chExt cx="0" cy="0"/>
+        </a:xfrm>
+      </p:grpSpPr>
+      <p:sp>
+        <p:nvSpPr>
+          <p:cNvPr id="2" name="Title 1">
+            <a:extLst>
+              <a:ext uri="{FF2B5EF4-FFF2-40B4-BE49-F238E27FC236}">
+                <a16:creationId xmlns:a16="http://schemas.microsoft.com/office/drawing/2014/main" id="{B6AFBE81-E15B-986D-B21B-B44E31E81005}"/>
+              </a:ext>
+            </a:extLst>
+          </p:cNvPr>
+          <p:cNvSpPr>
+            <a:spLocks noGrp="1"/>
+          </p:cNvSpPr>
+          <p:nvPr>
+            <p:ph type="title"/>
+          </p:nvPr>
+        </p:nvSpPr>
+        <p:spPr/>
+        <p:txBody>
+          <a:bodyPr/>
+          <a:lstStyle/>
+          <a:p>
+            <a:endParaRPr lang="en-AU"/>
+          </a:p>
+        </p:txBody>
+      </p:sp>
+      <p:pic>
+        <p:nvPicPr>
+          <p:cNvPr id="4" name="Picture 2">
+            <a:extLst>
+              <a:ext uri="{FF2B5EF4-FFF2-40B4-BE49-F238E27FC236}">
+                <a16:creationId xmlns:a16="http://schemas.microsoft.com/office/drawing/2014/main" id="{7E217002-1F68-A212-C627-7D9781E7CD2B}"/>
+              </a:ext>
+            </a:extLst>
+          </p:cNvPr>
+          <p:cNvPicPr>
+            <a:picLocks noGrp="1" noChangeAspect="1" noChangeArrowheads="1"/>
+          </p:cNvPicPr>
+          <p:nvPr>
+            <p:ph idx="1"/>
+          </p:nvPr>
+        </p:nvPicPr>
+        <p:blipFill>
+          <a:blip r:embed="rId2">
+            <a:extLst>
+              <a:ext uri="{28A0092B-C50C-407E-A947-70E740481C1C}">
+                <a14:useLocalDpi xmlns:a14="http://schemas.microsoft.com/office/drawing/2010/main" val="0"/>
+              </a:ext>
+            </a:extLst>
+          </a:blip>
+          <a:srcRect/>
+          <a:stretch>
+            <a:fillRect/>
+          </a:stretch>
+        </p:blipFill>
+        <p:spPr bwMode="auto">
+          <a:xfrm>
+            <a:off x="3813155" y="1825625"/>
+            <a:ext cx="4565689" cy="4351338"/>
+          </a:xfrm>
+          <a:prstGeom prst="rect">
+            <a:avLst/>
+          </a:prstGeom>
+          <a:noFill/>
+          <a:extLst>
+            <a:ext uri="{909E8E84-426E-40DD-AFC4-6F175D3DCCD1}">
+              <a14:hiddenFill xmlns:a14="http://schemas.microsoft.com/office/drawing/2010/main">
+                <a:solidFill>
+                  <a:srgbClr val="FFFFFF"/>
+                </a:solidFill>
+              </a14:hiddenFill>
+            </a:ext>
+          </a:extLst>
+        </p:spPr>
+      </p:pic>
+      <p:sp>
+        <p:nvSpPr>
+          <p:cNvPr id="5" name="TextBox 4">
+            <a:extLst>
+              <a:ext uri="{FF2B5EF4-FFF2-40B4-BE49-F238E27FC236}">
+                <a16:creationId xmlns:a16="http://schemas.microsoft.com/office/drawing/2014/main" id="{FE27970E-E4F0-1E8E-EE87-E80DE4E27241}"/>
+              </a:ext>
+            </a:extLst>
+          </p:cNvPr>
+          <p:cNvSpPr txBox="1"/>
+          <p:nvPr/>
+        </p:nvSpPr>
+        <p:spPr>
+          <a:xfrm>
+            <a:off x="520592" y="6104792"/>
+            <a:ext cx="11474183" cy="646331"/>
+          </a:xfrm>
+          <a:prstGeom prst="rect">
+            <a:avLst/>
+          </a:prstGeom>
+          <a:noFill/>
+        </p:spPr>
+        <p:txBody>
+          <a:bodyPr wrap="square">
+            <a:spAutoFit/>
+          </a:bodyPr>
+          <a:lstStyle/>
+          <a:p>
+            <a:pPr algn="ctr"/>
+            <a:r>
+              <a:rPr lang="en-US" b="0" i="0" dirty="0">
+                <a:solidFill>
+                  <a:srgbClr val="333333"/>
+                </a:solidFill>
+                <a:effectLst/>
+                <a:latin typeface="Helvetica Neue"/>
+              </a:rPr>
+              <a:t>Event Sourcing is a fascinating design pattern. In an Event Sourced applications/systems instead of storing the current state we derived the current state from a list of event</a:t>
+            </a:r>
+            <a:endParaRPr lang="en-AU" dirty="0"/>
+          </a:p>
+        </p:txBody>
+      </p:sp>
+    </p:spTree>
+    <p:extLst>
+      <p:ext uri="{BB962C8B-B14F-4D97-AF65-F5344CB8AC3E}">
+        <p14:creationId xmlns:p14="http://schemas.microsoft.com/office/powerpoint/2010/main" val="2541305515"/>
+      </p:ext>
+    </p:extLst>
+  </p:cSld>
+  <p:clrMapOvr>
+    <a:masterClrMapping/>
+  </p:clrMapOvr>
+</p:sld>
+</file>
+
+<file path=ppt/slides/slide31.xml><?xml version="1.0" encoding="utf-8"?>
+<p:sld xmlns:a="http://schemas.openxmlformats.org/drawingml/2006/main" xmlns:r="http://schemas.openxmlformats.org/officeDocument/2006/relationships" xmlns:p="http://schemas.openxmlformats.org/presentationml/2006/main">
+  <p:cSld>
+    <p:spTree>
+      <p:nvGrpSpPr>
+        <p:cNvPr id="1" name=""/>
+        <p:cNvGrpSpPr/>
+        <p:nvPr/>
+      </p:nvGrpSpPr>
+      <p:grpSpPr>
+        <a:xfrm>
+          <a:off x="0" y="0"/>
+          <a:ext cx="0" cy="0"/>
+          <a:chOff x="0" y="0"/>
+          <a:chExt cx="0" cy="0"/>
+        </a:xfrm>
+      </p:grpSpPr>
+      <p:sp>
+        <p:nvSpPr>
+          <p:cNvPr id="2" name="Title 1">
+            <a:extLst>
+              <a:ext uri="{FF2B5EF4-FFF2-40B4-BE49-F238E27FC236}">
+                <a16:creationId xmlns:a16="http://schemas.microsoft.com/office/drawing/2014/main" id="{5E31D155-304D-27AE-2C93-96D007EF38A5}"/>
+              </a:ext>
+            </a:extLst>
+          </p:cNvPr>
+          <p:cNvSpPr>
+            <a:spLocks noGrp="1"/>
+          </p:cNvSpPr>
+          <p:nvPr>
+            <p:ph type="title"/>
+          </p:nvPr>
+        </p:nvSpPr>
+        <p:spPr/>
+        <p:txBody>
+          <a:bodyPr/>
+          <a:lstStyle/>
+          <a:p>
+            <a:endParaRPr lang="en-AU"/>
+          </a:p>
+        </p:txBody>
+      </p:sp>
+      <p:pic>
+        <p:nvPicPr>
+          <p:cNvPr id="3074" name="Picture 2" descr="Figure 1 shows an example of how the Materialized View pattern might be used">
+            <a:extLst>
+              <a:ext uri="{FF2B5EF4-FFF2-40B4-BE49-F238E27FC236}">
+                <a16:creationId xmlns:a16="http://schemas.microsoft.com/office/drawing/2014/main" id="{1FAEED6E-FA0F-CD6B-BEC7-554287270BA3}"/>
+              </a:ext>
+            </a:extLst>
+          </p:cNvPr>
+          <p:cNvPicPr>
+            <a:picLocks noGrp="1" noChangeAspect="1" noChangeArrowheads="1"/>
+          </p:cNvPicPr>
+          <p:nvPr>
+            <p:ph idx="1"/>
+          </p:nvPr>
+        </p:nvPicPr>
+        <p:blipFill>
+          <a:blip r:embed="rId3">
+            <a:extLst>
+              <a:ext uri="{28A0092B-C50C-407E-A947-70E740481C1C}">
+                <a14:useLocalDpi xmlns:a14="http://schemas.microsoft.com/office/drawing/2010/main" val="0"/>
+              </a:ext>
+            </a:extLst>
+          </a:blip>
+          <a:srcRect/>
+          <a:stretch>
+            <a:fillRect/>
+          </a:stretch>
+        </p:blipFill>
+        <p:spPr bwMode="auto">
+          <a:xfrm>
+            <a:off x="2286000" y="2382044"/>
+            <a:ext cx="7620000" cy="3238500"/>
+          </a:xfrm>
+          <a:prstGeom prst="rect">
+            <a:avLst/>
+          </a:prstGeom>
+          <a:noFill/>
+          <a:extLst>
+            <a:ext uri="{909E8E84-426E-40DD-AFC4-6F175D3DCCD1}">
+              <a14:hiddenFill xmlns:a14="http://schemas.microsoft.com/office/drawing/2010/main">
+                <a:solidFill>
+                  <a:srgbClr val="FFFFFF"/>
+                </a:solidFill>
+              </a14:hiddenFill>
+            </a:ext>
+          </a:extLst>
+        </p:spPr>
+      </p:pic>
+    </p:spTree>
+    <p:extLst>
+      <p:ext uri="{BB962C8B-B14F-4D97-AF65-F5344CB8AC3E}">
+        <p14:creationId xmlns:p14="http://schemas.microsoft.com/office/powerpoint/2010/main" val="329784588"/>
+      </p:ext>
+    </p:extLst>
+  </p:cSld>
+  <p:clrMapOvr>
+    <a:masterClrMapping/>
+  </p:clrMapOvr>
+</p:sld>
+</file>
+
+<file path=ppt/slides/slide32.xml><?xml version="1.0" encoding="utf-8"?>
+<p:sld xmlns:a="http://schemas.openxmlformats.org/drawingml/2006/main" xmlns:r="http://schemas.openxmlformats.org/officeDocument/2006/relationships" xmlns:p="http://schemas.openxmlformats.org/presentationml/2006/main">
+  <p:cSld>
+    <p:spTree>
+      <p:nvGrpSpPr>
+        <p:cNvPr id="1" name=""/>
+        <p:cNvGrpSpPr/>
+        <p:nvPr/>
+      </p:nvGrpSpPr>
+      <p:grpSpPr>
+        <a:xfrm>
+          <a:off x="0" y="0"/>
+          <a:ext cx="0" cy="0"/>
+          <a:chOff x="0" y="0"/>
+          <a:chExt cx="0" cy="0"/>
+        </a:xfrm>
+      </p:grpSpPr>
+      <p:sp>
+        <p:nvSpPr>
+          <p:cNvPr id="2" name="Title 1">
+            <a:extLst>
+              <a:ext uri="{FF2B5EF4-FFF2-40B4-BE49-F238E27FC236}">
+                <a16:creationId xmlns:a16="http://schemas.microsoft.com/office/drawing/2014/main" id="{1E1ADBDC-2E02-635F-9A3D-3D8E20D85FD3}"/>
+              </a:ext>
+            </a:extLst>
+          </p:cNvPr>
+          <p:cNvSpPr>
+            <a:spLocks noGrp="1"/>
+          </p:cNvSpPr>
+          <p:nvPr>
+            <p:ph type="title"/>
+          </p:nvPr>
+        </p:nvSpPr>
+        <p:spPr/>
+        <p:txBody>
+          <a:bodyPr/>
+          <a:lstStyle/>
+          <a:p>
+            <a:r>
+              <a:rPr lang="en-AU" b="1" dirty="0">
+                <a:latin typeface="+mn-lt"/>
+              </a:rPr>
+              <a:t>Web API – A </a:t>
+            </a:r>
+            <a:r>
+              <a:rPr lang="en-AU" b="1" i="0" dirty="0">
+                <a:effectLst/>
+                <a:latin typeface="+mn-lt"/>
+              </a:rPr>
+              <a:t>Backend for Frontends</a:t>
+            </a:r>
+            <a:r>
+              <a:rPr lang="en-AU" b="1" dirty="0">
+                <a:latin typeface="+mn-lt"/>
+              </a:rPr>
+              <a:t> </a:t>
+            </a:r>
+          </a:p>
+        </p:txBody>
+      </p:sp>
+      <p:sp>
+        <p:nvSpPr>
+          <p:cNvPr id="3" name="Content Placeholder 2">
+            <a:extLst>
+              <a:ext uri="{FF2B5EF4-FFF2-40B4-BE49-F238E27FC236}">
+                <a16:creationId xmlns:a16="http://schemas.microsoft.com/office/drawing/2014/main" id="{111A0BC8-98D3-0F1A-E2EE-AD7EF7CE5946}"/>
+              </a:ext>
+            </a:extLst>
+          </p:cNvPr>
+          <p:cNvSpPr>
+            <a:spLocks noGrp="1"/>
+          </p:cNvSpPr>
+          <p:nvPr>
+            <p:ph idx="1"/>
+          </p:nvPr>
+        </p:nvSpPr>
+        <p:spPr/>
+        <p:txBody>
+          <a:bodyPr/>
+          <a:lstStyle/>
+          <a:p>
+            <a:pPr marL="0" indent="0">
+              <a:buNone/>
+            </a:pPr>
+            <a:r>
+              <a:rPr lang="en-AU" dirty="0">
+                <a:latin typeface="Segoe UI" panose="020B0502040204020203" pitchFamily="34" charset="0"/>
+              </a:rPr>
+              <a:t>E</a:t>
+            </a:r>
+            <a:r>
+              <a:rPr lang="en-AU" b="0" i="0" dirty="0">
+                <a:effectLst/>
+                <a:latin typeface="Segoe UI" panose="020B0502040204020203" pitchFamily="34" charset="0"/>
+              </a:rPr>
+              <a:t>xpose endpoints that allow client applications to call their APIs. </a:t>
+            </a:r>
+          </a:p>
+          <a:p>
+            <a:pPr marL="0" indent="0">
+              <a:buNone/>
+            </a:pPr>
+            <a:r>
+              <a:rPr lang="en-AU" b="0" i="0" dirty="0">
+                <a:effectLst/>
+                <a:latin typeface="Segoe UI" panose="020B0502040204020203" pitchFamily="34" charset="0"/>
+              </a:rPr>
+              <a:t>The code used to implement the APIs triggers or performs several tasks, including but not limited to </a:t>
+            </a:r>
+          </a:p>
+          <a:p>
+            <a:r>
+              <a:rPr lang="en-AU" b="0" i="0" dirty="0">
+                <a:effectLst/>
+                <a:latin typeface="Segoe UI" panose="020B0502040204020203" pitchFamily="34" charset="0"/>
+              </a:rPr>
+              <a:t>authentication, </a:t>
+            </a:r>
+          </a:p>
+          <a:p>
+            <a:r>
+              <a:rPr lang="en-AU" b="0" i="0" dirty="0">
+                <a:effectLst/>
+                <a:latin typeface="Segoe UI" panose="020B0502040204020203" pitchFamily="34" charset="0"/>
+              </a:rPr>
+              <a:t>authorization, </a:t>
+            </a:r>
+          </a:p>
+          <a:p>
+            <a:r>
+              <a:rPr lang="en-AU" b="0" i="0" dirty="0">
+                <a:effectLst/>
+                <a:latin typeface="Segoe UI" panose="020B0502040204020203" pitchFamily="34" charset="0"/>
+              </a:rPr>
+              <a:t>parameter validation, and </a:t>
+            </a:r>
+          </a:p>
+          <a:p>
+            <a:r>
+              <a:rPr lang="en-AU" b="0" i="0" dirty="0">
+                <a:effectLst/>
+                <a:latin typeface="Segoe UI" panose="020B0502040204020203" pitchFamily="34" charset="0"/>
+              </a:rPr>
+              <a:t>some or all request processing. </a:t>
+            </a:r>
+          </a:p>
+          <a:p>
+            <a:pPr marL="0" indent="0">
+              <a:buNone/>
+            </a:pPr>
+            <a:r>
+              <a:rPr lang="en-AU" b="0" i="0" dirty="0">
+                <a:effectLst/>
+                <a:latin typeface="Segoe UI" panose="020B0502040204020203" pitchFamily="34" charset="0"/>
+              </a:rPr>
+              <a:t>The API code is likely to access storage and other services on behalf of the client.</a:t>
+            </a:r>
+            <a:endParaRPr lang="en-AU" dirty="0"/>
+          </a:p>
+        </p:txBody>
+      </p:sp>
+    </p:spTree>
+    <p:extLst>
+      <p:ext uri="{BB962C8B-B14F-4D97-AF65-F5344CB8AC3E}">
+        <p14:creationId xmlns:p14="http://schemas.microsoft.com/office/powerpoint/2010/main" val="1945649972"/>
+      </p:ext>
+    </p:extLst>
+  </p:cSld>
+  <p:clrMapOvr>
+    <a:masterClrMapping/>
+  </p:clrMapOvr>
+</p:sld>
+</file>
+
+<file path=ppt/slides/slide33.xml><?xml version="1.0" encoding="utf-8"?>
+<p:sld xmlns:a="http://schemas.openxmlformats.org/drawingml/2006/main" xmlns:r="http://schemas.openxmlformats.org/officeDocument/2006/relationships" xmlns:p="http://schemas.openxmlformats.org/presentationml/2006/main">
+  <p:cSld>
+    <p:spTree>
+      <p:nvGrpSpPr>
+        <p:cNvPr id="1" name=""/>
+        <p:cNvGrpSpPr/>
+        <p:nvPr/>
+      </p:nvGrpSpPr>
+      <p:grpSpPr>
+        <a:xfrm>
+          <a:off x="0" y="0"/>
+          <a:ext cx="0" cy="0"/>
+          <a:chOff x="0" y="0"/>
+          <a:chExt cx="0" cy="0"/>
+        </a:xfrm>
+      </p:grpSpPr>
+      <p:sp>
+        <p:nvSpPr>
+          <p:cNvPr id="2" name="Title 1">
+            <a:extLst>
+              <a:ext uri="{FF2B5EF4-FFF2-40B4-BE49-F238E27FC236}">
+                <a16:creationId xmlns:a16="http://schemas.microsoft.com/office/drawing/2014/main" id="{156B1B78-0487-C7E2-8AF3-9EB8CAEC1E3A}"/>
+              </a:ext>
+            </a:extLst>
+          </p:cNvPr>
+          <p:cNvSpPr>
+            <a:spLocks noGrp="1"/>
+          </p:cNvSpPr>
+          <p:nvPr>
+            <p:ph type="title"/>
+          </p:nvPr>
+        </p:nvSpPr>
+        <p:spPr/>
+        <p:txBody>
+          <a:bodyPr/>
+          <a:lstStyle/>
+          <a:p>
+            <a:endParaRPr lang="en-AU" dirty="0"/>
+          </a:p>
+        </p:txBody>
+      </p:sp>
+      <p:sp>
+        <p:nvSpPr>
+          <p:cNvPr id="3" name="Content Placeholder 2">
+            <a:extLst>
+              <a:ext uri="{FF2B5EF4-FFF2-40B4-BE49-F238E27FC236}">
+                <a16:creationId xmlns:a16="http://schemas.microsoft.com/office/drawing/2014/main" id="{5C5A5BF8-1FD9-982F-45B8-4F1A777459CE}"/>
+              </a:ext>
+            </a:extLst>
+          </p:cNvPr>
+          <p:cNvSpPr>
+            <a:spLocks noGrp="1"/>
+          </p:cNvSpPr>
+          <p:nvPr>
+            <p:ph idx="1"/>
+          </p:nvPr>
+        </p:nvSpPr>
+        <p:spPr/>
+        <p:txBody>
+          <a:bodyPr>
+            <a:normAutofit lnSpcReduction="10000"/>
+          </a:bodyPr>
+          <a:lstStyle/>
+          <a:p>
+            <a:pPr algn="l"/>
+            <a:r>
+              <a:rPr lang="en-AU" b="0" i="0" dirty="0">
+                <a:effectLst/>
+                <a:latin typeface="Segoe UI" panose="020B0502040204020203" pitchFamily="34" charset="0"/>
+              </a:rPr>
+              <a:t>communicate by using HTTP-based web services. However, this approach has drawbacks, including:</a:t>
+            </a:r>
+          </a:p>
+          <a:p>
+            <a:pPr algn="l">
+              <a:spcBef>
+                <a:spcPts val="1200"/>
+              </a:spcBef>
+              <a:spcAft>
+                <a:spcPts val="1200"/>
+              </a:spcAft>
+              <a:buFont typeface="Arial" panose="020B0604020202020204" pitchFamily="34" charset="0"/>
+              <a:buChar char="•"/>
+            </a:pPr>
+            <a:r>
+              <a:rPr lang="en-AU" b="0" i="0" dirty="0">
+                <a:effectLst/>
+                <a:latin typeface="Segoe UI" panose="020B0502040204020203" pitchFamily="34" charset="0"/>
+              </a:rPr>
+              <a:t>The systems must be modified by adding an HTTP client on one side and an HTTP request handler on the other. The systems must then be retested and redeployed.</a:t>
+            </a:r>
+          </a:p>
+          <a:p>
+            <a:pPr algn="l">
+              <a:spcBef>
+                <a:spcPts val="1200"/>
+              </a:spcBef>
+              <a:spcAft>
+                <a:spcPts val="1200"/>
+              </a:spcAft>
+              <a:buFont typeface="Arial" panose="020B0604020202020204" pitchFamily="34" charset="0"/>
+              <a:buChar char="•"/>
+            </a:pPr>
+            <a:r>
+              <a:rPr lang="en-AU" b="0" i="0" dirty="0">
+                <a:effectLst/>
+                <a:latin typeface="Segoe UI" panose="020B0502040204020203" pitchFamily="34" charset="0"/>
+              </a:rPr>
+              <a:t>HTTP endpoints must be hosted, which adds complexity when you make web services secure and highly available.</a:t>
+            </a:r>
+          </a:p>
+          <a:p>
+            <a:pPr algn="l">
+              <a:spcBef>
+                <a:spcPts val="1200"/>
+              </a:spcBef>
+              <a:spcAft>
+                <a:spcPts val="1200"/>
+              </a:spcAft>
+              <a:buFont typeface="Arial" panose="020B0604020202020204" pitchFamily="34" charset="0"/>
+              <a:buChar char="•"/>
+            </a:pPr>
+            <a:r>
+              <a:rPr lang="en-AU" b="0" i="0" dirty="0">
+                <a:effectLst/>
+                <a:latin typeface="Segoe UI" panose="020B0502040204020203" pitchFamily="34" charset="0"/>
+              </a:rPr>
+              <a:t>Frequent network connectivity problems that require custom-built retry mechanisms.</a:t>
+            </a:r>
+          </a:p>
+          <a:p>
+            <a:endParaRPr lang="en-AU" dirty="0"/>
+          </a:p>
+        </p:txBody>
+      </p:sp>
+    </p:spTree>
+    <p:extLst>
+      <p:ext uri="{BB962C8B-B14F-4D97-AF65-F5344CB8AC3E}">
+        <p14:creationId xmlns:p14="http://schemas.microsoft.com/office/powerpoint/2010/main" val="4158214056"/>
       </p:ext>
     </p:extLst>
   </p:cSld>
